--- a/PPT/CycleGAN.pptx
+++ b/PPT/CycleGAN.pptx
@@ -231,7 +231,7 @@
           <a:p>
             <a:fld id="{DD6415E9-06DD-4DE4-B95F-6A087C1AB27A}" type="datetimeFigureOut">
               <a:rPr lang="ko-KR" altLang="en-US" smtClean="0"/>
-              <a:t>2020-11-26</a:t>
+              <a:t>2020-11-27</a:t>
             </a:fld>
             <a:endParaRPr lang="ko-KR" altLang="en-US"/>
           </a:p>
@@ -644,9 +644,61 @@
               <a:defRPr/>
             </a:pPr>
             <a:r>
-              <a:rPr lang="ko-KR" altLang="en-US" dirty="0"/>
-              <a:t>업 샘플링</a:t>
-            </a:r>
+              <a:rPr lang="en-US" altLang="ko-KR" dirty="0"/>
+              <a:t>Resnet Block</a:t>
+            </a:r>
+            <a:r>
+              <a:rPr lang="ko-KR" altLang="en-US" dirty="0"/>
+              <a:t>을 통한 매핑이 끝난 뒤 특징 추출을 위해 다운 샘플링을 한 것과 반대로 업 샘플링을 진행합니다</a:t>
+            </a:r>
+            <a:r>
+              <a:rPr lang="en-US" altLang="ko-KR" dirty="0"/>
+              <a:t>.</a:t>
+            </a:r>
+          </a:p>
+          <a:p>
+            <a:pPr marL="0" marR="0" lvl="0" indent="0" algn="l" defTabSz="914400" rtl="0" eaLnBrk="1" fontAlgn="auto" latinLnBrk="1" hangingPunct="1">
+              <a:lnSpc>
+                <a:spcPct val="100000"/>
+              </a:lnSpc>
+              <a:spcBef>
+                <a:spcPts val="0"/>
+              </a:spcBef>
+              <a:spcAft>
+                <a:spcPts val="0"/>
+              </a:spcAft>
+              <a:buClrTx/>
+              <a:buSzTx/>
+              <a:buFontTx/>
+              <a:buNone/>
+              <a:tabLst/>
+              <a:defRPr/>
+            </a:pPr>
+            <a:r>
+              <a:rPr lang="ko-KR" altLang="en-US" dirty="0"/>
+              <a:t>업 샘플링은 </a:t>
+            </a:r>
+            <a:r>
+              <a:rPr lang="en-US" altLang="ko-KR" dirty="0"/>
+              <a:t>Deconvolution</a:t>
+            </a:r>
+            <a:r>
+              <a:rPr lang="ko-KR" altLang="en-US" dirty="0"/>
+              <a:t>중 하나인 </a:t>
+            </a:r>
+            <a:r>
+              <a:rPr lang="en-US" altLang="ko-KR" dirty="0"/>
+              <a:t>Convolutional Transpose </a:t>
+            </a:r>
+            <a:r>
+              <a:rPr lang="ko-KR" altLang="en-US" dirty="0"/>
+              <a:t>네트워크를 이용합니다</a:t>
+            </a:r>
+            <a:r>
+              <a:rPr lang="en-US" altLang="ko-KR" dirty="0"/>
+              <a:t>.</a:t>
+            </a:r>
+            <a:endParaRPr lang="ko-KR" altLang="en-US" dirty="0"/>
           </a:p>
         </p:txBody>
       </p:sp>
@@ -3263,7 +3315,7 @@
           <a:p>
             <a:r>
               <a:rPr lang="en-US" altLang="ko-KR" dirty="0"/>
-              <a:t>EDSR</a:t>
+              <a:t>CycleGAN</a:t>
             </a:r>
             <a:r>
               <a:rPr lang="ko-KR" altLang="en-US" dirty="0"/>
@@ -4529,8 +4581,52 @@
             </a:pPr>
             <a:r>
               <a:rPr lang="ko-KR" altLang="en-US" dirty="0"/>
-              <a:t>다운 샘플링</a:t>
-            </a:r>
+              <a:t>특징을 추출하기 위하여 다운 샘플링을 진행합니다</a:t>
+            </a:r>
+            <a:r>
+              <a:rPr lang="en-US" altLang="ko-KR" dirty="0"/>
+              <a:t>.</a:t>
+            </a:r>
+          </a:p>
+          <a:p>
+            <a:pPr marL="0" marR="0" lvl="0" indent="0" algn="l" defTabSz="914400" rtl="0" eaLnBrk="1" fontAlgn="auto" latinLnBrk="1" hangingPunct="1">
+              <a:lnSpc>
+                <a:spcPct val="100000"/>
+              </a:lnSpc>
+              <a:spcBef>
+                <a:spcPts val="0"/>
+              </a:spcBef>
+              <a:spcAft>
+                <a:spcPts val="0"/>
+              </a:spcAft>
+              <a:buClrTx/>
+              <a:buSzTx/>
+              <a:buFontTx/>
+              <a:buNone/>
+              <a:tabLst/>
+              <a:defRPr/>
+            </a:pPr>
+            <a:r>
+              <a:rPr lang="en-US" altLang="ko-KR" dirty="0"/>
+              <a:t>Stride</a:t>
+            </a:r>
+            <a:r>
+              <a:rPr lang="ko-KR" altLang="en-US" dirty="0"/>
+              <a:t>를 </a:t>
+            </a:r>
+            <a:r>
+              <a:rPr lang="en-US" altLang="ko-KR" dirty="0"/>
+              <a:t>2</a:t>
+            </a:r>
+            <a:r>
+              <a:rPr lang="ko-KR" altLang="en-US" dirty="0"/>
+              <a:t>로 설정합니다</a:t>
+            </a:r>
+            <a:r>
+              <a:rPr lang="en-US" altLang="ko-KR" dirty="0"/>
+              <a:t>.</a:t>
+            </a:r>
+            <a:endParaRPr lang="ko-KR" altLang="en-US" dirty="0"/>
           </a:p>
         </p:txBody>
       </p:sp>
@@ -5147,7 +5243,7 @@
           <a:p>
             <a:fld id="{44C359E1-460E-4D4E-845A-0B90170A6B2F}" type="datetimeFigureOut">
               <a:rPr lang="ko-KR" altLang="en-US" smtClean="0"/>
-              <a:t>2020-11-26</a:t>
+              <a:t>2020-11-27</a:t>
             </a:fld>
             <a:endParaRPr lang="ko-KR" altLang="en-US"/>
           </a:p>
@@ -5355,7 +5451,7 @@
           <a:p>
             <a:fld id="{44C359E1-460E-4D4E-845A-0B90170A6B2F}" type="datetimeFigureOut">
               <a:rPr lang="ko-KR" altLang="en-US" smtClean="0"/>
-              <a:t>2020-11-26</a:t>
+              <a:t>2020-11-27</a:t>
             </a:fld>
             <a:endParaRPr lang="ko-KR" altLang="en-US"/>
           </a:p>
@@ -5611,7 +5707,7 @@
           <a:p>
             <a:fld id="{44C359E1-460E-4D4E-845A-0B90170A6B2F}" type="datetimeFigureOut">
               <a:rPr lang="ko-KR" altLang="en-US" smtClean="0"/>
-              <a:t>2020-11-26</a:t>
+              <a:t>2020-11-27</a:t>
             </a:fld>
             <a:endParaRPr lang="ko-KR" altLang="en-US"/>
           </a:p>
@@ -5785,7 +5881,7 @@
           <a:p>
             <a:fld id="{44C359E1-460E-4D4E-845A-0B90170A6B2F}" type="datetimeFigureOut">
               <a:rPr lang="ko-KR" altLang="en-US" smtClean="0"/>
-              <a:t>2020-11-26</a:t>
+              <a:t>2020-11-27</a:t>
             </a:fld>
             <a:endParaRPr lang="ko-KR" altLang="en-US"/>
           </a:p>
@@ -6128,7 +6224,7 @@
           <a:p>
             <a:fld id="{44C359E1-460E-4D4E-845A-0B90170A6B2F}" type="datetimeFigureOut">
               <a:rPr lang="ko-KR" altLang="en-US" smtClean="0"/>
-              <a:t>2020-11-26</a:t>
+              <a:t>2020-11-27</a:t>
             </a:fld>
             <a:endParaRPr lang="ko-KR" altLang="en-US"/>
           </a:p>
@@ -6403,7 +6499,7 @@
           <a:p>
             <a:fld id="{44C359E1-460E-4D4E-845A-0B90170A6B2F}" type="datetimeFigureOut">
               <a:rPr lang="ko-KR" altLang="en-US" smtClean="0"/>
-              <a:t>2020-11-26</a:t>
+              <a:t>2020-11-27</a:t>
             </a:fld>
             <a:endParaRPr lang="ko-KR" altLang="en-US"/>
           </a:p>
@@ -6782,7 +6878,7 @@
           <a:p>
             <a:fld id="{44C359E1-460E-4D4E-845A-0B90170A6B2F}" type="datetimeFigureOut">
               <a:rPr lang="ko-KR" altLang="en-US" smtClean="0"/>
-              <a:t>2020-11-26</a:t>
+              <a:t>2020-11-27</a:t>
             </a:fld>
             <a:endParaRPr lang="ko-KR" altLang="en-US"/>
           </a:p>
@@ -6900,7 +6996,7 @@
           <a:p>
             <a:fld id="{44C359E1-460E-4D4E-845A-0B90170A6B2F}" type="datetimeFigureOut">
               <a:rPr lang="ko-KR" altLang="en-US" smtClean="0"/>
-              <a:t>2020-11-26</a:t>
+              <a:t>2020-11-27</a:t>
             </a:fld>
             <a:endParaRPr lang="ko-KR" altLang="en-US"/>
           </a:p>
@@ -7071,7 +7167,7 @@
           <a:p>
             <a:fld id="{44C359E1-460E-4D4E-845A-0B90170A6B2F}" type="datetimeFigureOut">
               <a:rPr lang="ko-KR" altLang="en-US" smtClean="0"/>
-              <a:t>2020-11-26</a:t>
+              <a:t>2020-11-27</a:t>
             </a:fld>
             <a:endParaRPr lang="ko-KR" altLang="en-US"/>
           </a:p>
@@ -7425,7 +7521,7 @@
           <a:p>
             <a:fld id="{44C359E1-460E-4D4E-845A-0B90170A6B2F}" type="datetimeFigureOut">
               <a:rPr lang="ko-KR" altLang="en-US" smtClean="0"/>
-              <a:t>2020-11-26</a:t>
+              <a:t>2020-11-27</a:t>
             </a:fld>
             <a:endParaRPr lang="ko-KR" altLang="en-US"/>
           </a:p>
@@ -7807,7 +7903,7 @@
           <a:p>
             <a:fld id="{44C359E1-460E-4D4E-845A-0B90170A6B2F}" type="datetimeFigureOut">
               <a:rPr lang="ko-KR" altLang="en-US" smtClean="0"/>
-              <a:t>2020-11-26</a:t>
+              <a:t>2020-11-27</a:t>
             </a:fld>
             <a:endParaRPr lang="ko-KR" altLang="en-US"/>
           </a:p>
@@ -8094,7 +8190,7 @@
           <a:p>
             <a:fld id="{44C359E1-460E-4D4E-845A-0B90170A6B2F}" type="datetimeFigureOut">
               <a:rPr lang="ko-KR" altLang="en-US" smtClean="0"/>
-              <a:t>2020-11-26</a:t>
+              <a:t>2020-11-27</a:t>
             </a:fld>
             <a:endParaRPr lang="ko-KR" altLang="en-US"/>
           </a:p>
@@ -9145,14 +9241,6 @@
             <a:r>
               <a:rPr lang="ko-KR" altLang="en-US" dirty="0"/>
               <a:t>로 설정</a:t>
-            </a:r>
-            <a:r>
-              <a:rPr lang="en-US" altLang="ko-KR" dirty="0"/>
-              <a:t>, </a:t>
-            </a:r>
-            <a:r>
-              <a:rPr lang="ko-KR" altLang="en-US" dirty="0"/>
-              <a:t>필터의 크기는 으로 설정</a:t>
             </a:r>
             <a:endParaRPr lang="en-US" altLang="ko-KR" dirty="0"/>
           </a:p>
